--- a/sd/qa/unit/data/pptx/numfmt.pptx
+++ b/sd/qa/unit/data/pptx/numfmt.pptx
@@ -113,6 +113,22 @@
       </a:defRPr>
     </a:lvl9pPr>
   </p:defaultTextStyle>
+  <p:extLst>
+    <p:ext uri="{EFAFB233-063F-42B5-8137-9DF3F51BA10A}">
+      <p15:sldGuideLst xmlns:p15="http://schemas.microsoft.com/office/powerpoint/2012/main">
+        <p15:guide id="1" orient="horz" pos="2160">
+          <p15:clr>
+            <a:srgbClr val="A4A3A4"/>
+          </p15:clr>
+        </p15:guide>
+        <p15:guide id="2" pos="2880">
+          <p15:clr>
+            <a:srgbClr val="A4A3A4"/>
+          </p15:clr>
+        </p15:guide>
+      </p15:sldGuideLst>
+    </p:ext>
+  </p:extLst>
 </p:presentation>
 </file>
 
@@ -198,7 +214,7 @@
           <a:p>
             <a:fld id="{8C6B8BEB-E207-4B62-80DE-045147C8EED1}" type="datetimeFigureOut">
               <a:rPr lang="en-US" smtClean="0"/>
-              <a:t>1/27/2016</a:t>
+              <a:t>6/9/2021</a:t>
             </a:fld>
             <a:endParaRPr lang="en-IN"/>
           </a:p>
@@ -264,35 +280,35 @@
           <a:p>
             <a:pPr lvl="0"/>
             <a:r>
-              <a:rPr lang="en-US" smtClean="0"/>
+              <a:rPr lang="en-US"/>
               <a:t>Click to edit Master text styles</a:t>
             </a:r>
           </a:p>
           <a:p>
             <a:pPr lvl="1"/>
             <a:r>
-              <a:rPr lang="en-US" smtClean="0"/>
+              <a:rPr lang="en-US"/>
               <a:t>Second level</a:t>
             </a:r>
           </a:p>
           <a:p>
             <a:pPr lvl="2"/>
             <a:r>
-              <a:rPr lang="en-US" smtClean="0"/>
+              <a:rPr lang="en-US"/>
               <a:t>Third level</a:t>
             </a:r>
           </a:p>
           <a:p>
             <a:pPr lvl="3"/>
             <a:r>
-              <a:rPr lang="en-US" smtClean="0"/>
+              <a:rPr lang="en-US"/>
               <a:t>Fourth level</a:t>
             </a:r>
           </a:p>
           <a:p>
             <a:pPr lvl="4"/>
             <a:r>
-              <a:rPr lang="en-US" smtClean="0"/>
+              <a:rPr lang="en-US"/>
               <a:t>Fifth level</a:t>
             </a:r>
             <a:endParaRPr lang="en-IN"/>
@@ -501,7 +517,7 @@
           <a:lstStyle/>
           <a:p>
             <a:r>
-              <a:rPr lang="en-US" smtClean="0"/>
+              <a:rPr lang="en-US"/>
               <a:t>Click to edit Master title style</a:t>
             </a:r>
             <a:endParaRPr lang="en-IN"/>
@@ -620,7 +636,7 @@
           </a:lstStyle>
           <a:p>
             <a:r>
-              <a:rPr lang="en-US" smtClean="0"/>
+              <a:rPr lang="en-US"/>
               <a:t>Click to edit Master subtitle style</a:t>
             </a:r>
             <a:endParaRPr lang="en-IN"/>
@@ -644,7 +660,7 @@
           <a:p>
             <a:fld id="{23270E89-3869-447B-8CDE-6FB960193F88}" type="datetime4">
               <a:rPr lang="en-IN" smtClean="0"/>
-              <a:t>27 January 2016</a:t>
+              <a:t>09 June 2021</a:t>
             </a:fld>
             <a:endParaRPr lang="en-IN"/>
           </a:p>
@@ -733,7 +749,7 @@
           <a:lstStyle/>
           <a:p>
             <a:r>
-              <a:rPr lang="en-US" smtClean="0"/>
+              <a:rPr lang="en-US"/>
               <a:t>Click to edit Master title style</a:t>
             </a:r>
             <a:endParaRPr lang="en-IN"/>
@@ -757,35 +773,35 @@
           <a:p>
             <a:pPr lvl="0"/>
             <a:r>
-              <a:rPr lang="en-US" smtClean="0"/>
+              <a:rPr lang="en-US"/>
               <a:t>Click to edit Master text styles</a:t>
             </a:r>
           </a:p>
           <a:p>
             <a:pPr lvl="1"/>
             <a:r>
-              <a:rPr lang="en-US" smtClean="0"/>
+              <a:rPr lang="en-US"/>
               <a:t>Second level</a:t>
             </a:r>
           </a:p>
           <a:p>
             <a:pPr lvl="2"/>
             <a:r>
-              <a:rPr lang="en-US" smtClean="0"/>
+              <a:rPr lang="en-US"/>
               <a:t>Third level</a:t>
             </a:r>
           </a:p>
           <a:p>
             <a:pPr lvl="3"/>
             <a:r>
-              <a:rPr lang="en-US" smtClean="0"/>
+              <a:rPr lang="en-US"/>
               <a:t>Fourth level</a:t>
             </a:r>
           </a:p>
           <a:p>
             <a:pPr lvl="4"/>
             <a:r>
-              <a:rPr lang="en-US" smtClean="0"/>
+              <a:rPr lang="en-US"/>
               <a:t>Fifth level</a:t>
             </a:r>
             <a:endParaRPr lang="en-IN"/>
@@ -809,7 +825,7 @@
           <a:p>
             <a:fld id="{6EABF89B-1986-42A1-A443-E65C3BB5A974}" type="datetime4">
               <a:rPr lang="en-IN" smtClean="0"/>
-              <a:t>27 January 2016</a:t>
+              <a:t>09 June 2021</a:t>
             </a:fld>
             <a:endParaRPr lang="en-IN"/>
           </a:p>
@@ -903,7 +919,7 @@
           <a:lstStyle/>
           <a:p>
             <a:r>
-              <a:rPr lang="en-US" smtClean="0"/>
+              <a:rPr lang="en-US"/>
               <a:t>Click to edit Master title style</a:t>
             </a:r>
             <a:endParaRPr lang="en-IN"/>
@@ -932,35 +948,35 @@
           <a:p>
             <a:pPr lvl="0"/>
             <a:r>
-              <a:rPr lang="en-US" smtClean="0"/>
+              <a:rPr lang="en-US"/>
               <a:t>Click to edit Master text styles</a:t>
             </a:r>
           </a:p>
           <a:p>
             <a:pPr lvl="1"/>
             <a:r>
-              <a:rPr lang="en-US" smtClean="0"/>
+              <a:rPr lang="en-US"/>
               <a:t>Second level</a:t>
             </a:r>
           </a:p>
           <a:p>
             <a:pPr lvl="2"/>
             <a:r>
-              <a:rPr lang="en-US" smtClean="0"/>
+              <a:rPr lang="en-US"/>
               <a:t>Third level</a:t>
             </a:r>
           </a:p>
           <a:p>
             <a:pPr lvl="3"/>
             <a:r>
-              <a:rPr lang="en-US" smtClean="0"/>
+              <a:rPr lang="en-US"/>
               <a:t>Fourth level</a:t>
             </a:r>
           </a:p>
           <a:p>
             <a:pPr lvl="4"/>
             <a:r>
-              <a:rPr lang="en-US" smtClean="0"/>
+              <a:rPr lang="en-US"/>
               <a:t>Fifth level</a:t>
             </a:r>
             <a:endParaRPr lang="en-IN"/>
@@ -984,7 +1000,7 @@
           <a:p>
             <a:fld id="{95082EA7-CF00-425D-A785-BEE1492EBC19}" type="datetime4">
               <a:rPr lang="en-IN" smtClean="0"/>
-              <a:t>27 January 2016</a:t>
+              <a:t>09 June 2021</a:t>
             </a:fld>
             <a:endParaRPr lang="en-IN"/>
           </a:p>
@@ -1073,7 +1089,7 @@
           <a:lstStyle/>
           <a:p>
             <a:r>
-              <a:rPr lang="en-US" smtClean="0"/>
+              <a:rPr lang="en-US"/>
               <a:t>Click to edit Master title style</a:t>
             </a:r>
             <a:endParaRPr lang="en-IN"/>
@@ -1097,35 +1113,35 @@
           <a:p>
             <a:pPr lvl="0"/>
             <a:r>
-              <a:rPr lang="en-US" smtClean="0"/>
+              <a:rPr lang="en-US"/>
               <a:t>Click to edit Master text styles</a:t>
             </a:r>
           </a:p>
           <a:p>
             <a:pPr lvl="1"/>
             <a:r>
-              <a:rPr lang="en-US" smtClean="0"/>
+              <a:rPr lang="en-US"/>
               <a:t>Second level</a:t>
             </a:r>
           </a:p>
           <a:p>
             <a:pPr lvl="2"/>
             <a:r>
-              <a:rPr lang="en-US" smtClean="0"/>
+              <a:rPr lang="en-US"/>
               <a:t>Third level</a:t>
             </a:r>
           </a:p>
           <a:p>
             <a:pPr lvl="3"/>
             <a:r>
-              <a:rPr lang="en-US" smtClean="0"/>
+              <a:rPr lang="en-US"/>
               <a:t>Fourth level</a:t>
             </a:r>
           </a:p>
           <a:p>
             <a:pPr lvl="4"/>
             <a:r>
-              <a:rPr lang="en-US" smtClean="0"/>
+              <a:rPr lang="en-US"/>
               <a:t>Fifth level</a:t>
             </a:r>
             <a:endParaRPr lang="en-IN"/>
@@ -1149,7 +1165,7 @@
           <a:p>
             <a:fld id="{A3CE591C-F2AE-4A99-929C-81B4BA8FF67E}" type="datetime4">
               <a:rPr lang="en-IN" smtClean="0"/>
-              <a:t>27 January 2016</a:t>
+              <a:t>09 June 2021</a:t>
             </a:fld>
             <a:endParaRPr lang="en-IN"/>
           </a:p>
@@ -1247,7 +1263,7 @@
           </a:lstStyle>
           <a:p>
             <a:r>
-              <a:rPr lang="en-US" smtClean="0"/>
+              <a:rPr lang="en-US"/>
               <a:t>Click to edit Master title style</a:t>
             </a:r>
             <a:endParaRPr lang="en-IN"/>
@@ -1367,7 +1383,7 @@
           <a:p>
             <a:pPr lvl="0"/>
             <a:r>
-              <a:rPr lang="en-US" smtClean="0"/>
+              <a:rPr lang="en-US"/>
               <a:t>Click to edit Master text styles</a:t>
             </a:r>
           </a:p>
@@ -1390,7 +1406,7 @@
           <a:p>
             <a:fld id="{F86C5339-AD76-4734-9F5A-207BF5C7804B}" type="datetime4">
               <a:rPr lang="en-IN" smtClean="0"/>
-              <a:t>27 January 2016</a:t>
+              <a:t>09 June 2021</a:t>
             </a:fld>
             <a:endParaRPr lang="en-IN"/>
           </a:p>
@@ -1479,7 +1495,7 @@
           <a:lstStyle/>
           <a:p>
             <a:r>
-              <a:rPr lang="en-US" smtClean="0"/>
+              <a:rPr lang="en-US"/>
               <a:t>Click to edit Master title style</a:t>
             </a:r>
             <a:endParaRPr lang="en-IN"/>
@@ -1536,35 +1552,35 @@
           <a:p>
             <a:pPr lvl="0"/>
             <a:r>
-              <a:rPr lang="en-US" smtClean="0"/>
+              <a:rPr lang="en-US"/>
               <a:t>Click to edit Master text styles</a:t>
             </a:r>
           </a:p>
           <a:p>
             <a:pPr lvl="1"/>
             <a:r>
-              <a:rPr lang="en-US" smtClean="0"/>
+              <a:rPr lang="en-US"/>
               <a:t>Second level</a:t>
             </a:r>
           </a:p>
           <a:p>
             <a:pPr lvl="2"/>
             <a:r>
-              <a:rPr lang="en-US" smtClean="0"/>
+              <a:rPr lang="en-US"/>
               <a:t>Third level</a:t>
             </a:r>
           </a:p>
           <a:p>
             <a:pPr lvl="3"/>
             <a:r>
-              <a:rPr lang="en-US" smtClean="0"/>
+              <a:rPr lang="en-US"/>
               <a:t>Fourth level</a:t>
             </a:r>
           </a:p>
           <a:p>
             <a:pPr lvl="4"/>
             <a:r>
-              <a:rPr lang="en-US" smtClean="0"/>
+              <a:rPr lang="en-US"/>
               <a:t>Fifth level</a:t>
             </a:r>
             <a:endParaRPr lang="en-IN"/>
@@ -1621,35 +1637,35 @@
           <a:p>
             <a:pPr lvl="0"/>
             <a:r>
-              <a:rPr lang="en-US" smtClean="0"/>
+              <a:rPr lang="en-US"/>
               <a:t>Click to edit Master text styles</a:t>
             </a:r>
           </a:p>
           <a:p>
             <a:pPr lvl="1"/>
             <a:r>
-              <a:rPr lang="en-US" smtClean="0"/>
+              <a:rPr lang="en-US"/>
               <a:t>Second level</a:t>
             </a:r>
           </a:p>
           <a:p>
             <a:pPr lvl="2"/>
             <a:r>
-              <a:rPr lang="en-US" smtClean="0"/>
+              <a:rPr lang="en-US"/>
               <a:t>Third level</a:t>
             </a:r>
           </a:p>
           <a:p>
             <a:pPr lvl="3"/>
             <a:r>
-              <a:rPr lang="en-US" smtClean="0"/>
+              <a:rPr lang="en-US"/>
               <a:t>Fourth level</a:t>
             </a:r>
           </a:p>
           <a:p>
             <a:pPr lvl="4"/>
             <a:r>
-              <a:rPr lang="en-US" smtClean="0"/>
+              <a:rPr lang="en-US"/>
               <a:t>Fifth level</a:t>
             </a:r>
             <a:endParaRPr lang="en-IN"/>
@@ -1673,7 +1689,7 @@
           <a:p>
             <a:fld id="{D3BF498F-A914-403B-9F2B-154CBF7F4BD6}" type="datetime4">
               <a:rPr lang="en-IN" smtClean="0"/>
-              <a:t>27 January 2016</a:t>
+              <a:t>09 June 2021</a:t>
             </a:fld>
             <a:endParaRPr lang="en-IN"/>
           </a:p>
@@ -1766,7 +1782,7 @@
           </a:lstStyle>
           <a:p>
             <a:r>
-              <a:rPr lang="en-US" smtClean="0"/>
+              <a:rPr lang="en-US"/>
               <a:t>Click to edit Master title style</a:t>
             </a:r>
             <a:endParaRPr lang="en-IN"/>
@@ -1832,7 +1848,7 @@
           <a:p>
             <a:pPr lvl="0"/>
             <a:r>
-              <a:rPr lang="en-US" smtClean="0"/>
+              <a:rPr lang="en-US"/>
               <a:t>Click to edit Master text styles</a:t>
             </a:r>
           </a:p>
@@ -1888,35 +1904,35 @@
           <a:p>
             <a:pPr lvl="0"/>
             <a:r>
-              <a:rPr lang="en-US" smtClean="0"/>
+              <a:rPr lang="en-US"/>
               <a:t>Click to edit Master text styles</a:t>
             </a:r>
           </a:p>
           <a:p>
             <a:pPr lvl="1"/>
             <a:r>
-              <a:rPr lang="en-US" smtClean="0"/>
+              <a:rPr lang="en-US"/>
               <a:t>Second level</a:t>
             </a:r>
           </a:p>
           <a:p>
             <a:pPr lvl="2"/>
             <a:r>
-              <a:rPr lang="en-US" smtClean="0"/>
+              <a:rPr lang="en-US"/>
               <a:t>Third level</a:t>
             </a:r>
           </a:p>
           <a:p>
             <a:pPr lvl="3"/>
             <a:r>
-              <a:rPr lang="en-US" smtClean="0"/>
+              <a:rPr lang="en-US"/>
               <a:t>Fourth level</a:t>
             </a:r>
           </a:p>
           <a:p>
             <a:pPr lvl="4"/>
             <a:r>
-              <a:rPr lang="en-US" smtClean="0"/>
+              <a:rPr lang="en-US"/>
               <a:t>Fifth level</a:t>
             </a:r>
             <a:endParaRPr lang="en-IN"/>
@@ -1982,7 +1998,7 @@
           <a:p>
             <a:pPr lvl="0"/>
             <a:r>
-              <a:rPr lang="en-US" smtClean="0"/>
+              <a:rPr lang="en-US"/>
               <a:t>Click to edit Master text styles</a:t>
             </a:r>
           </a:p>
@@ -2038,35 +2054,35 @@
           <a:p>
             <a:pPr lvl="0"/>
             <a:r>
-              <a:rPr lang="en-US" smtClean="0"/>
+              <a:rPr lang="en-US"/>
               <a:t>Click to edit Master text styles</a:t>
             </a:r>
           </a:p>
           <a:p>
             <a:pPr lvl="1"/>
             <a:r>
-              <a:rPr lang="en-US" smtClean="0"/>
+              <a:rPr lang="en-US"/>
               <a:t>Second level</a:t>
             </a:r>
           </a:p>
           <a:p>
             <a:pPr lvl="2"/>
             <a:r>
-              <a:rPr lang="en-US" smtClean="0"/>
+              <a:rPr lang="en-US"/>
               <a:t>Third level</a:t>
             </a:r>
           </a:p>
           <a:p>
             <a:pPr lvl="3"/>
             <a:r>
-              <a:rPr lang="en-US" smtClean="0"/>
+              <a:rPr lang="en-US"/>
               <a:t>Fourth level</a:t>
             </a:r>
           </a:p>
           <a:p>
             <a:pPr lvl="4"/>
             <a:r>
-              <a:rPr lang="en-US" smtClean="0"/>
+              <a:rPr lang="en-US"/>
               <a:t>Fifth level</a:t>
             </a:r>
             <a:endParaRPr lang="en-IN"/>
@@ -2090,7 +2106,7 @@
           <a:p>
             <a:fld id="{0FA64DB0-35D1-47DE-A966-FB342CE5D43F}" type="datetime4">
               <a:rPr lang="en-IN" smtClean="0"/>
-              <a:t>27 January 2016</a:t>
+              <a:t>09 June 2021</a:t>
             </a:fld>
             <a:endParaRPr lang="en-IN"/>
           </a:p>
@@ -2179,7 +2195,7 @@
           <a:lstStyle/>
           <a:p>
             <a:r>
-              <a:rPr lang="en-US" smtClean="0"/>
+              <a:rPr lang="en-US"/>
               <a:t>Click to edit Master title style</a:t>
             </a:r>
             <a:endParaRPr lang="en-IN"/>
@@ -2203,7 +2219,7 @@
           <a:p>
             <a:fld id="{050A7ECC-F572-4B7D-B55D-FDBCDF289DD7}" type="datetime4">
               <a:rPr lang="en-IN" smtClean="0"/>
-              <a:t>27 January 2016</a:t>
+              <a:t>09 June 2021</a:t>
             </a:fld>
             <a:endParaRPr lang="en-IN"/>
           </a:p>
@@ -2293,7 +2309,7 @@
           <a:p>
             <a:fld id="{C672AD80-6BC8-4A11-8DC3-D28B0725072C}" type="datetime4">
               <a:rPr lang="en-IN" smtClean="0"/>
-              <a:t>27 January 2016</a:t>
+              <a:t>09 June 2021</a:t>
             </a:fld>
             <a:endParaRPr lang="en-IN"/>
           </a:p>
@@ -2391,7 +2407,7 @@
           </a:lstStyle>
           <a:p>
             <a:r>
-              <a:rPr lang="en-US" smtClean="0"/>
+              <a:rPr lang="en-US"/>
               <a:t>Click to edit Master title style</a:t>
             </a:r>
             <a:endParaRPr lang="en-IN"/>
@@ -2448,35 +2464,35 @@
           <a:p>
             <a:pPr lvl="0"/>
             <a:r>
-              <a:rPr lang="en-US" smtClean="0"/>
+              <a:rPr lang="en-US"/>
               <a:t>Click to edit Master text styles</a:t>
             </a:r>
           </a:p>
           <a:p>
             <a:pPr lvl="1"/>
             <a:r>
-              <a:rPr lang="en-US" smtClean="0"/>
+              <a:rPr lang="en-US"/>
               <a:t>Second level</a:t>
             </a:r>
           </a:p>
           <a:p>
             <a:pPr lvl="2"/>
             <a:r>
-              <a:rPr lang="en-US" smtClean="0"/>
+              <a:rPr lang="en-US"/>
               <a:t>Third level</a:t>
             </a:r>
           </a:p>
           <a:p>
             <a:pPr lvl="3"/>
             <a:r>
-              <a:rPr lang="en-US" smtClean="0"/>
+              <a:rPr lang="en-US"/>
               <a:t>Fourth level</a:t>
             </a:r>
           </a:p>
           <a:p>
             <a:pPr lvl="4"/>
             <a:r>
-              <a:rPr lang="en-US" smtClean="0"/>
+              <a:rPr lang="en-US"/>
               <a:t>Fifth level</a:t>
             </a:r>
             <a:endParaRPr lang="en-IN"/>
@@ -2542,7 +2558,7 @@
           <a:p>
             <a:pPr lvl="0"/>
             <a:r>
-              <a:rPr lang="en-US" smtClean="0"/>
+              <a:rPr lang="en-US"/>
               <a:t>Click to edit Master text styles</a:t>
             </a:r>
           </a:p>
@@ -2565,7 +2581,7 @@
           <a:p>
             <a:fld id="{5049F6D9-A4E1-4F49-9147-7DFF8F63790F}" type="datetime4">
               <a:rPr lang="en-IN" smtClean="0"/>
-              <a:t>27 January 2016</a:t>
+              <a:t>09 June 2021</a:t>
             </a:fld>
             <a:endParaRPr lang="en-IN"/>
           </a:p>
@@ -2663,7 +2679,7 @@
           </a:lstStyle>
           <a:p>
             <a:r>
-              <a:rPr lang="en-US" smtClean="0"/>
+              <a:rPr lang="en-US"/>
               <a:t>Click to edit Master title style</a:t>
             </a:r>
             <a:endParaRPr lang="en-IN"/>
@@ -2790,7 +2806,7 @@
           <a:p>
             <a:pPr lvl="0"/>
             <a:r>
-              <a:rPr lang="en-US" smtClean="0"/>
+              <a:rPr lang="en-US"/>
               <a:t>Click to edit Master text styles</a:t>
             </a:r>
           </a:p>
@@ -2813,7 +2829,7 @@
           <a:p>
             <a:fld id="{9309A248-4888-4712-98BA-AB7B91A5E8A7}" type="datetime4">
               <a:rPr lang="en-IN" smtClean="0"/>
-              <a:t>27 January 2016</a:t>
+              <a:t>09 June 2021</a:t>
             </a:fld>
             <a:endParaRPr lang="en-IN"/>
           </a:p>
@@ -2917,7 +2933,7 @@
           <a:lstStyle/>
           <a:p>
             <a:r>
-              <a:rPr lang="en-US" smtClean="0"/>
+              <a:rPr lang="en-US"/>
               <a:t>Click to edit Master title style</a:t>
             </a:r>
             <a:endParaRPr lang="en-IN"/>
@@ -2951,35 +2967,35 @@
           <a:p>
             <a:pPr lvl="0"/>
             <a:r>
-              <a:rPr lang="en-US" smtClean="0"/>
+              <a:rPr lang="en-US"/>
               <a:t>Click to edit Master text styles</a:t>
             </a:r>
           </a:p>
           <a:p>
             <a:pPr lvl="1"/>
             <a:r>
-              <a:rPr lang="en-US" smtClean="0"/>
+              <a:rPr lang="en-US"/>
               <a:t>Second level</a:t>
             </a:r>
           </a:p>
           <a:p>
             <a:pPr lvl="2"/>
             <a:r>
-              <a:rPr lang="en-US" smtClean="0"/>
+              <a:rPr lang="en-US"/>
               <a:t>Third level</a:t>
             </a:r>
           </a:p>
           <a:p>
             <a:pPr lvl="3"/>
             <a:r>
-              <a:rPr lang="en-US" smtClean="0"/>
+              <a:rPr lang="en-US"/>
               <a:t>Fourth level</a:t>
             </a:r>
           </a:p>
           <a:p>
             <a:pPr lvl="4"/>
             <a:r>
-              <a:rPr lang="en-US" smtClean="0"/>
+              <a:rPr lang="en-US"/>
               <a:t>Fifth level</a:t>
             </a:r>
             <a:endParaRPr lang="en-IN"/>
@@ -3021,7 +3037,7 @@
           <a:p>
             <a:fld id="{08F81F5D-EB0B-4B3A-9297-3DB9A8902B6D}" type="datetime4">
               <a:rPr lang="en-IN" smtClean="0"/>
-              <a:t>27 January 2016</a:t>
+              <a:t>09 June 2021</a:t>
             </a:fld>
             <a:endParaRPr lang="en-IN"/>
           </a:p>
@@ -3394,24 +3410,133 @@
       </p:grpSpPr>
       <p:sp>
         <p:nvSpPr>
-          <p:cNvPr id="4" name="Date Placeholder 3"/>
-          <p:cNvSpPr>
-            <a:spLocks noGrp="1"/>
-          </p:cNvSpPr>
-          <p:nvPr>
-            <p:ph type="dt" sz="half" idx="10"/>
-          </p:nvPr>
-        </p:nvSpPr>
-        <p:spPr/>
-        <p:txBody>
-          <a:bodyPr/>
-          <a:lstStyle/>
+          <p:cNvPr id="3" name="Date Placeholder 3">
+            <a:extLst>
+              <a:ext uri="{FF2B5EF4-FFF2-40B4-BE49-F238E27FC236}">
+                <a16:creationId xmlns:a16="http://schemas.microsoft.com/office/drawing/2014/main" id="{5D32C4C1-B04E-44AE-BD3A-F8103B37EDF5}"/>
+              </a:ext>
+            </a:extLst>
+          </p:cNvPr>
+          <p:cNvSpPr txBox="1">
+            <a:spLocks/>
+          </p:cNvSpPr>
+          <p:nvPr/>
+        </p:nvSpPr>
+        <p:spPr>
+          <a:xfrm>
+            <a:off x="491412" y="5991225"/>
+            <a:ext cx="2133600" cy="365125"/>
+          </a:xfrm>
+          <a:prstGeom prst="rect">
+            <a:avLst/>
+          </a:prstGeom>
+        </p:spPr>
+        <p:txBody>
+          <a:bodyPr vert="horz" lIns="91440" tIns="45720" rIns="91440" bIns="45720" rtlCol="0" anchor="ctr"/>
+          <a:lstStyle>
+            <a:defPPr>
+              <a:defRPr lang="en-US"/>
+            </a:defPPr>
+            <a:lvl1pPr marL="0" algn="l" defTabSz="914400" rtl="0" eaLnBrk="1" latinLnBrk="0" hangingPunct="1">
+              <a:defRPr sz="1200" kern="1200">
+                <a:solidFill>
+                  <a:schemeClr val="tx1">
+                    <a:tint val="75000"/>
+                  </a:schemeClr>
+                </a:solidFill>
+                <a:latin typeface="+mn-lt"/>
+                <a:ea typeface="+mn-ea"/>
+                <a:cs typeface="+mn-cs"/>
+              </a:defRPr>
+            </a:lvl1pPr>
+            <a:lvl2pPr marL="457200" algn="l" defTabSz="914400" rtl="0" eaLnBrk="1" latinLnBrk="0" hangingPunct="1">
+              <a:defRPr sz="1800" kern="1200">
+                <a:solidFill>
+                  <a:schemeClr val="tx1"/>
+                </a:solidFill>
+                <a:latin typeface="+mn-lt"/>
+                <a:ea typeface="+mn-ea"/>
+                <a:cs typeface="+mn-cs"/>
+              </a:defRPr>
+            </a:lvl2pPr>
+            <a:lvl3pPr marL="914400" algn="l" defTabSz="914400" rtl="0" eaLnBrk="1" latinLnBrk="0" hangingPunct="1">
+              <a:defRPr sz="1800" kern="1200">
+                <a:solidFill>
+                  <a:schemeClr val="tx1"/>
+                </a:solidFill>
+                <a:latin typeface="+mn-lt"/>
+                <a:ea typeface="+mn-ea"/>
+                <a:cs typeface="+mn-cs"/>
+              </a:defRPr>
+            </a:lvl3pPr>
+            <a:lvl4pPr marL="1371600" algn="l" defTabSz="914400" rtl="0" eaLnBrk="1" latinLnBrk="0" hangingPunct="1">
+              <a:defRPr sz="1800" kern="1200">
+                <a:solidFill>
+                  <a:schemeClr val="tx1"/>
+                </a:solidFill>
+                <a:latin typeface="+mn-lt"/>
+                <a:ea typeface="+mn-ea"/>
+                <a:cs typeface="+mn-cs"/>
+              </a:defRPr>
+            </a:lvl4pPr>
+            <a:lvl5pPr marL="1828800" algn="l" defTabSz="914400" rtl="0" eaLnBrk="1" latinLnBrk="0" hangingPunct="1">
+              <a:defRPr sz="1800" kern="1200">
+                <a:solidFill>
+                  <a:schemeClr val="tx1"/>
+                </a:solidFill>
+                <a:latin typeface="+mn-lt"/>
+                <a:ea typeface="+mn-ea"/>
+                <a:cs typeface="+mn-cs"/>
+              </a:defRPr>
+            </a:lvl5pPr>
+            <a:lvl6pPr marL="2286000" algn="l" defTabSz="914400" rtl="0" eaLnBrk="1" latinLnBrk="0" hangingPunct="1">
+              <a:defRPr sz="1800" kern="1200">
+                <a:solidFill>
+                  <a:schemeClr val="tx1"/>
+                </a:solidFill>
+                <a:latin typeface="+mn-lt"/>
+                <a:ea typeface="+mn-ea"/>
+                <a:cs typeface="+mn-cs"/>
+              </a:defRPr>
+            </a:lvl6pPr>
+            <a:lvl7pPr marL="2743200" algn="l" defTabSz="914400" rtl="0" eaLnBrk="1" latinLnBrk="0" hangingPunct="1">
+              <a:defRPr sz="1800" kern="1200">
+                <a:solidFill>
+                  <a:schemeClr val="tx1"/>
+                </a:solidFill>
+                <a:latin typeface="+mn-lt"/>
+                <a:ea typeface="+mn-ea"/>
+                <a:cs typeface="+mn-cs"/>
+              </a:defRPr>
+            </a:lvl7pPr>
+            <a:lvl8pPr marL="3200400" algn="l" defTabSz="914400" rtl="0" eaLnBrk="1" latinLnBrk="0" hangingPunct="1">
+              <a:defRPr sz="1800" kern="1200">
+                <a:solidFill>
+                  <a:schemeClr val="tx1"/>
+                </a:solidFill>
+                <a:latin typeface="+mn-lt"/>
+                <a:ea typeface="+mn-ea"/>
+                <a:cs typeface="+mn-cs"/>
+              </a:defRPr>
+            </a:lvl8pPr>
+            <a:lvl9pPr marL="3657600" algn="l" defTabSz="914400" rtl="0" eaLnBrk="1" latinLnBrk="0" hangingPunct="1">
+              <a:defRPr sz="1800" kern="1200">
+                <a:solidFill>
+                  <a:schemeClr val="tx1"/>
+                </a:solidFill>
+                <a:latin typeface="+mn-lt"/>
+                <a:ea typeface="+mn-ea"/>
+                <a:cs typeface="+mn-cs"/>
+              </a:defRPr>
+            </a:lvl9pPr>
+          </a:lstStyle>
           <a:p>
             <a:fld id="{6F1FB038-ACEC-47F0-9348-1F0FFA4AC8CD}" type="datetime4">
               <a:rPr lang="en-IN" smtClean="0"/>
-              <a:t>27 January 2016</a:t>
+              <a:pPr/>
+              <a:t>09 June 2021</a:t>
             </a:fld>
-            <a:endParaRPr lang="en-IN"/>
+            <a:endParaRPr lang="en-IN" dirty="0"/>
           </a:p>
         </p:txBody>
       </p:sp>
@@ -3442,22 +3567,131 @@
       </p:grpSpPr>
       <p:sp>
         <p:nvSpPr>
-          <p:cNvPr id="4" name="Date Placeholder 3"/>
-          <p:cNvSpPr>
-            <a:spLocks noGrp="1"/>
-          </p:cNvSpPr>
-          <p:nvPr>
-            <p:ph type="dt" sz="half" idx="10"/>
-          </p:nvPr>
-        </p:nvSpPr>
-        <p:spPr/>
-        <p:txBody>
-          <a:bodyPr/>
-          <a:lstStyle/>
+          <p:cNvPr id="3" name="Date Placeholder 3">
+            <a:extLst>
+              <a:ext uri="{FF2B5EF4-FFF2-40B4-BE49-F238E27FC236}">
+                <a16:creationId xmlns:a16="http://schemas.microsoft.com/office/drawing/2014/main" id="{7A5DEDD5-8799-412C-A85F-A8DEF7B459A0}"/>
+              </a:ext>
+            </a:extLst>
+          </p:cNvPr>
+          <p:cNvSpPr txBox="1">
+            <a:spLocks/>
+          </p:cNvSpPr>
+          <p:nvPr/>
+        </p:nvSpPr>
+        <p:spPr>
+          <a:xfrm>
+            <a:off x="457200" y="5991225"/>
+            <a:ext cx="2133600" cy="365125"/>
+          </a:xfrm>
+          <a:prstGeom prst="rect">
+            <a:avLst/>
+          </a:prstGeom>
+        </p:spPr>
+        <p:txBody>
+          <a:bodyPr vert="horz" lIns="91440" tIns="45720" rIns="91440" bIns="45720" rtlCol="0" anchor="ctr"/>
+          <a:lstStyle>
+            <a:defPPr>
+              <a:defRPr lang="en-US"/>
+            </a:defPPr>
+            <a:lvl1pPr marL="0" algn="l" defTabSz="914400" rtl="0" eaLnBrk="1" latinLnBrk="0" hangingPunct="1">
+              <a:defRPr sz="1200" kern="1200">
+                <a:solidFill>
+                  <a:schemeClr val="tx1">
+                    <a:tint val="75000"/>
+                  </a:schemeClr>
+                </a:solidFill>
+                <a:latin typeface="+mn-lt"/>
+                <a:ea typeface="+mn-ea"/>
+                <a:cs typeface="+mn-cs"/>
+              </a:defRPr>
+            </a:lvl1pPr>
+            <a:lvl2pPr marL="457200" algn="l" defTabSz="914400" rtl="0" eaLnBrk="1" latinLnBrk="0" hangingPunct="1">
+              <a:defRPr sz="1800" kern="1200">
+                <a:solidFill>
+                  <a:schemeClr val="tx1"/>
+                </a:solidFill>
+                <a:latin typeface="+mn-lt"/>
+                <a:ea typeface="+mn-ea"/>
+                <a:cs typeface="+mn-cs"/>
+              </a:defRPr>
+            </a:lvl2pPr>
+            <a:lvl3pPr marL="914400" algn="l" defTabSz="914400" rtl="0" eaLnBrk="1" latinLnBrk="0" hangingPunct="1">
+              <a:defRPr sz="1800" kern="1200">
+                <a:solidFill>
+                  <a:schemeClr val="tx1"/>
+                </a:solidFill>
+                <a:latin typeface="+mn-lt"/>
+                <a:ea typeface="+mn-ea"/>
+                <a:cs typeface="+mn-cs"/>
+              </a:defRPr>
+            </a:lvl3pPr>
+            <a:lvl4pPr marL="1371600" algn="l" defTabSz="914400" rtl="0" eaLnBrk="1" latinLnBrk="0" hangingPunct="1">
+              <a:defRPr sz="1800" kern="1200">
+                <a:solidFill>
+                  <a:schemeClr val="tx1"/>
+                </a:solidFill>
+                <a:latin typeface="+mn-lt"/>
+                <a:ea typeface="+mn-ea"/>
+                <a:cs typeface="+mn-cs"/>
+              </a:defRPr>
+            </a:lvl4pPr>
+            <a:lvl5pPr marL="1828800" algn="l" defTabSz="914400" rtl="0" eaLnBrk="1" latinLnBrk="0" hangingPunct="1">
+              <a:defRPr sz="1800" kern="1200">
+                <a:solidFill>
+                  <a:schemeClr val="tx1"/>
+                </a:solidFill>
+                <a:latin typeface="+mn-lt"/>
+                <a:ea typeface="+mn-ea"/>
+                <a:cs typeface="+mn-cs"/>
+              </a:defRPr>
+            </a:lvl5pPr>
+            <a:lvl6pPr marL="2286000" algn="l" defTabSz="914400" rtl="0" eaLnBrk="1" latinLnBrk="0" hangingPunct="1">
+              <a:defRPr sz="1800" kern="1200">
+                <a:solidFill>
+                  <a:schemeClr val="tx1"/>
+                </a:solidFill>
+                <a:latin typeface="+mn-lt"/>
+                <a:ea typeface="+mn-ea"/>
+                <a:cs typeface="+mn-cs"/>
+              </a:defRPr>
+            </a:lvl6pPr>
+            <a:lvl7pPr marL="2743200" algn="l" defTabSz="914400" rtl="0" eaLnBrk="1" latinLnBrk="0" hangingPunct="1">
+              <a:defRPr sz="1800" kern="1200">
+                <a:solidFill>
+                  <a:schemeClr val="tx1"/>
+                </a:solidFill>
+                <a:latin typeface="+mn-lt"/>
+                <a:ea typeface="+mn-ea"/>
+                <a:cs typeface="+mn-cs"/>
+              </a:defRPr>
+            </a:lvl7pPr>
+            <a:lvl8pPr marL="3200400" algn="l" defTabSz="914400" rtl="0" eaLnBrk="1" latinLnBrk="0" hangingPunct="1">
+              <a:defRPr sz="1800" kern="1200">
+                <a:solidFill>
+                  <a:schemeClr val="tx1"/>
+                </a:solidFill>
+                <a:latin typeface="+mn-lt"/>
+                <a:ea typeface="+mn-ea"/>
+                <a:cs typeface="+mn-cs"/>
+              </a:defRPr>
+            </a:lvl8pPr>
+            <a:lvl9pPr marL="3657600" algn="l" defTabSz="914400" rtl="0" eaLnBrk="1" latinLnBrk="0" hangingPunct="1">
+              <a:defRPr sz="1800" kern="1200">
+                <a:solidFill>
+                  <a:schemeClr val="tx1"/>
+                </a:solidFill>
+                <a:latin typeface="+mn-lt"/>
+                <a:ea typeface="+mn-ea"/>
+                <a:cs typeface="+mn-cs"/>
+              </a:defRPr>
+            </a:lvl9pPr>
+          </a:lstStyle>
           <a:p>
             <a:fld id="{3D8552DC-8493-4C08-B339-F696EB9E8552}" type="datetime1">
               <a:rPr lang="en-IN" smtClean="0"/>
-              <a:t>27-01-2016</a:t>
+              <a:pPr/>
+              <a:t>09-06-2021</a:t>
             </a:fld>
             <a:endParaRPr lang="en-IN"/>
           </a:p>
@@ -3490,24 +3724,133 @@
       </p:grpSpPr>
       <p:sp>
         <p:nvSpPr>
-          <p:cNvPr id="4" name="Date Placeholder 3"/>
-          <p:cNvSpPr>
-            <a:spLocks noGrp="1"/>
-          </p:cNvSpPr>
-          <p:nvPr>
-            <p:ph type="dt" sz="half" idx="10"/>
-          </p:nvPr>
-        </p:nvSpPr>
-        <p:spPr/>
-        <p:txBody>
-          <a:bodyPr/>
-          <a:lstStyle/>
+          <p:cNvPr id="3" name="Date Placeholder 3">
+            <a:extLst>
+              <a:ext uri="{FF2B5EF4-FFF2-40B4-BE49-F238E27FC236}">
+                <a16:creationId xmlns:a16="http://schemas.microsoft.com/office/drawing/2014/main" id="{E0DB2DE7-E258-4FA3-888A-15E333C72B89}"/>
+              </a:ext>
+            </a:extLst>
+          </p:cNvPr>
+          <p:cNvSpPr txBox="1">
+            <a:spLocks/>
+          </p:cNvSpPr>
+          <p:nvPr/>
+        </p:nvSpPr>
+        <p:spPr>
+          <a:xfrm>
+            <a:off x="457200" y="5991225"/>
+            <a:ext cx="2133600" cy="365125"/>
+          </a:xfrm>
+          <a:prstGeom prst="rect">
+            <a:avLst/>
+          </a:prstGeom>
+        </p:spPr>
+        <p:txBody>
+          <a:bodyPr vert="horz" lIns="91440" tIns="45720" rIns="91440" bIns="45720" rtlCol="0" anchor="ctr"/>
+          <a:lstStyle>
+            <a:defPPr>
+              <a:defRPr lang="en-US"/>
+            </a:defPPr>
+            <a:lvl1pPr marL="0" algn="l" defTabSz="914400" rtl="0" eaLnBrk="1" latinLnBrk="0" hangingPunct="1">
+              <a:defRPr sz="1200" kern="1200">
+                <a:solidFill>
+                  <a:schemeClr val="tx1">
+                    <a:tint val="75000"/>
+                  </a:schemeClr>
+                </a:solidFill>
+                <a:latin typeface="+mn-lt"/>
+                <a:ea typeface="+mn-ea"/>
+                <a:cs typeface="+mn-cs"/>
+              </a:defRPr>
+            </a:lvl1pPr>
+            <a:lvl2pPr marL="457200" algn="l" defTabSz="914400" rtl="0" eaLnBrk="1" latinLnBrk="0" hangingPunct="1">
+              <a:defRPr sz="1800" kern="1200">
+                <a:solidFill>
+                  <a:schemeClr val="tx1"/>
+                </a:solidFill>
+                <a:latin typeface="+mn-lt"/>
+                <a:ea typeface="+mn-ea"/>
+                <a:cs typeface="+mn-cs"/>
+              </a:defRPr>
+            </a:lvl2pPr>
+            <a:lvl3pPr marL="914400" algn="l" defTabSz="914400" rtl="0" eaLnBrk="1" latinLnBrk="0" hangingPunct="1">
+              <a:defRPr sz="1800" kern="1200">
+                <a:solidFill>
+                  <a:schemeClr val="tx1"/>
+                </a:solidFill>
+                <a:latin typeface="+mn-lt"/>
+                <a:ea typeface="+mn-ea"/>
+                <a:cs typeface="+mn-cs"/>
+              </a:defRPr>
+            </a:lvl3pPr>
+            <a:lvl4pPr marL="1371600" algn="l" defTabSz="914400" rtl="0" eaLnBrk="1" latinLnBrk="0" hangingPunct="1">
+              <a:defRPr sz="1800" kern="1200">
+                <a:solidFill>
+                  <a:schemeClr val="tx1"/>
+                </a:solidFill>
+                <a:latin typeface="+mn-lt"/>
+                <a:ea typeface="+mn-ea"/>
+                <a:cs typeface="+mn-cs"/>
+              </a:defRPr>
+            </a:lvl4pPr>
+            <a:lvl5pPr marL="1828800" algn="l" defTabSz="914400" rtl="0" eaLnBrk="1" latinLnBrk="0" hangingPunct="1">
+              <a:defRPr sz="1800" kern="1200">
+                <a:solidFill>
+                  <a:schemeClr val="tx1"/>
+                </a:solidFill>
+                <a:latin typeface="+mn-lt"/>
+                <a:ea typeface="+mn-ea"/>
+                <a:cs typeface="+mn-cs"/>
+              </a:defRPr>
+            </a:lvl5pPr>
+            <a:lvl6pPr marL="2286000" algn="l" defTabSz="914400" rtl="0" eaLnBrk="1" latinLnBrk="0" hangingPunct="1">
+              <a:defRPr sz="1800" kern="1200">
+                <a:solidFill>
+                  <a:schemeClr val="tx1"/>
+                </a:solidFill>
+                <a:latin typeface="+mn-lt"/>
+                <a:ea typeface="+mn-ea"/>
+                <a:cs typeface="+mn-cs"/>
+              </a:defRPr>
+            </a:lvl6pPr>
+            <a:lvl7pPr marL="2743200" algn="l" defTabSz="914400" rtl="0" eaLnBrk="1" latinLnBrk="0" hangingPunct="1">
+              <a:defRPr sz="1800" kern="1200">
+                <a:solidFill>
+                  <a:schemeClr val="tx1"/>
+                </a:solidFill>
+                <a:latin typeface="+mn-lt"/>
+                <a:ea typeface="+mn-ea"/>
+                <a:cs typeface="+mn-cs"/>
+              </a:defRPr>
+            </a:lvl7pPr>
+            <a:lvl8pPr marL="3200400" algn="l" defTabSz="914400" rtl="0" eaLnBrk="1" latinLnBrk="0" hangingPunct="1">
+              <a:defRPr sz="1800" kern="1200">
+                <a:solidFill>
+                  <a:schemeClr val="tx1"/>
+                </a:solidFill>
+                <a:latin typeface="+mn-lt"/>
+                <a:ea typeface="+mn-ea"/>
+                <a:cs typeface="+mn-cs"/>
+              </a:defRPr>
+            </a:lvl8pPr>
+            <a:lvl9pPr marL="3657600" algn="l" defTabSz="914400" rtl="0" eaLnBrk="1" latinLnBrk="0" hangingPunct="1">
+              <a:defRPr sz="1800" kern="1200">
+                <a:solidFill>
+                  <a:schemeClr val="tx1"/>
+                </a:solidFill>
+                <a:latin typeface="+mn-lt"/>
+                <a:ea typeface="+mn-ea"/>
+                <a:cs typeface="+mn-cs"/>
+              </a:defRPr>
+            </a:lvl9pPr>
+          </a:lstStyle>
           <a:p>
             <a:fld id="{310BA1B9-101E-4D36-903A-746CAFB854A5}" type="datetime3">
               <a:rPr lang="en-IN" smtClean="0"/>
-              <a:t>27 January 2016</a:t>
+              <a:pPr/>
+              <a:t>9 June 2021</a:t>
             </a:fld>
-            <a:endParaRPr lang="en-IN"/>
+            <a:endParaRPr lang="en-IN" dirty="0"/>
           </a:p>
         </p:txBody>
       </p:sp>
@@ -3538,24 +3881,133 @@
       </p:grpSpPr>
       <p:sp>
         <p:nvSpPr>
-          <p:cNvPr id="4" name="Date Placeholder 3"/>
-          <p:cNvSpPr>
-            <a:spLocks noGrp="1"/>
-          </p:cNvSpPr>
-          <p:nvPr>
-            <p:ph type="dt" sz="half" idx="10"/>
-          </p:nvPr>
-        </p:nvSpPr>
-        <p:spPr/>
-        <p:txBody>
-          <a:bodyPr/>
-          <a:lstStyle/>
+          <p:cNvPr id="3" name="Date Placeholder 3">
+            <a:extLst>
+              <a:ext uri="{FF2B5EF4-FFF2-40B4-BE49-F238E27FC236}">
+                <a16:creationId xmlns:a16="http://schemas.microsoft.com/office/drawing/2014/main" id="{A9C82F76-7AF4-4198-BBAD-0198DCB4646A}"/>
+              </a:ext>
+            </a:extLst>
+          </p:cNvPr>
+          <p:cNvSpPr txBox="1">
+            <a:spLocks/>
+          </p:cNvSpPr>
+          <p:nvPr/>
+        </p:nvSpPr>
+        <p:spPr>
+          <a:xfrm>
+            <a:off x="457200" y="5991225"/>
+            <a:ext cx="2133600" cy="365125"/>
+          </a:xfrm>
+          <a:prstGeom prst="rect">
+            <a:avLst/>
+          </a:prstGeom>
+        </p:spPr>
+        <p:txBody>
+          <a:bodyPr vert="horz" lIns="91440" tIns="45720" rIns="91440" bIns="45720" rtlCol="0" anchor="ctr"/>
+          <a:lstStyle>
+            <a:defPPr>
+              <a:defRPr lang="en-US"/>
+            </a:defPPr>
+            <a:lvl1pPr marL="0" algn="l" defTabSz="914400" rtl="0" eaLnBrk="1" latinLnBrk="0" hangingPunct="1">
+              <a:defRPr sz="1200" kern="1200">
+                <a:solidFill>
+                  <a:schemeClr val="tx1">
+                    <a:tint val="75000"/>
+                  </a:schemeClr>
+                </a:solidFill>
+                <a:latin typeface="+mn-lt"/>
+                <a:ea typeface="+mn-ea"/>
+                <a:cs typeface="+mn-cs"/>
+              </a:defRPr>
+            </a:lvl1pPr>
+            <a:lvl2pPr marL="457200" algn="l" defTabSz="914400" rtl="0" eaLnBrk="1" latinLnBrk="0" hangingPunct="1">
+              <a:defRPr sz="1800" kern="1200">
+                <a:solidFill>
+                  <a:schemeClr val="tx1"/>
+                </a:solidFill>
+                <a:latin typeface="+mn-lt"/>
+                <a:ea typeface="+mn-ea"/>
+                <a:cs typeface="+mn-cs"/>
+              </a:defRPr>
+            </a:lvl2pPr>
+            <a:lvl3pPr marL="914400" algn="l" defTabSz="914400" rtl="0" eaLnBrk="1" latinLnBrk="0" hangingPunct="1">
+              <a:defRPr sz="1800" kern="1200">
+                <a:solidFill>
+                  <a:schemeClr val="tx1"/>
+                </a:solidFill>
+                <a:latin typeface="+mn-lt"/>
+                <a:ea typeface="+mn-ea"/>
+                <a:cs typeface="+mn-cs"/>
+              </a:defRPr>
+            </a:lvl3pPr>
+            <a:lvl4pPr marL="1371600" algn="l" defTabSz="914400" rtl="0" eaLnBrk="1" latinLnBrk="0" hangingPunct="1">
+              <a:defRPr sz="1800" kern="1200">
+                <a:solidFill>
+                  <a:schemeClr val="tx1"/>
+                </a:solidFill>
+                <a:latin typeface="+mn-lt"/>
+                <a:ea typeface="+mn-ea"/>
+                <a:cs typeface="+mn-cs"/>
+              </a:defRPr>
+            </a:lvl4pPr>
+            <a:lvl5pPr marL="1828800" algn="l" defTabSz="914400" rtl="0" eaLnBrk="1" latinLnBrk="0" hangingPunct="1">
+              <a:defRPr sz="1800" kern="1200">
+                <a:solidFill>
+                  <a:schemeClr val="tx1"/>
+                </a:solidFill>
+                <a:latin typeface="+mn-lt"/>
+                <a:ea typeface="+mn-ea"/>
+                <a:cs typeface="+mn-cs"/>
+              </a:defRPr>
+            </a:lvl5pPr>
+            <a:lvl6pPr marL="2286000" algn="l" defTabSz="914400" rtl="0" eaLnBrk="1" latinLnBrk="0" hangingPunct="1">
+              <a:defRPr sz="1800" kern="1200">
+                <a:solidFill>
+                  <a:schemeClr val="tx1"/>
+                </a:solidFill>
+                <a:latin typeface="+mn-lt"/>
+                <a:ea typeface="+mn-ea"/>
+                <a:cs typeface="+mn-cs"/>
+              </a:defRPr>
+            </a:lvl6pPr>
+            <a:lvl7pPr marL="2743200" algn="l" defTabSz="914400" rtl="0" eaLnBrk="1" latinLnBrk="0" hangingPunct="1">
+              <a:defRPr sz="1800" kern="1200">
+                <a:solidFill>
+                  <a:schemeClr val="tx1"/>
+                </a:solidFill>
+                <a:latin typeface="+mn-lt"/>
+                <a:ea typeface="+mn-ea"/>
+                <a:cs typeface="+mn-cs"/>
+              </a:defRPr>
+            </a:lvl7pPr>
+            <a:lvl8pPr marL="3200400" algn="l" defTabSz="914400" rtl="0" eaLnBrk="1" latinLnBrk="0" hangingPunct="1">
+              <a:defRPr sz="1800" kern="1200">
+                <a:solidFill>
+                  <a:schemeClr val="tx1"/>
+                </a:solidFill>
+                <a:latin typeface="+mn-lt"/>
+                <a:ea typeface="+mn-ea"/>
+                <a:cs typeface="+mn-cs"/>
+              </a:defRPr>
+            </a:lvl8pPr>
+            <a:lvl9pPr marL="3657600" algn="l" defTabSz="914400" rtl="0" eaLnBrk="1" latinLnBrk="0" hangingPunct="1">
+              <a:defRPr sz="1800" kern="1200">
+                <a:solidFill>
+                  <a:schemeClr val="tx1"/>
+                </a:solidFill>
+                <a:latin typeface="+mn-lt"/>
+                <a:ea typeface="+mn-ea"/>
+                <a:cs typeface="+mn-cs"/>
+              </a:defRPr>
+            </a:lvl9pPr>
+          </a:lstStyle>
           <a:p>
             <a:fld id="{AB4092FF-6B6F-4C9C-8873-EF1E09B49560}" type="datetime11">
               <a:rPr lang="en-IN" smtClean="0"/>
-              <a:t>14:02:41</a:t>
+              <a:pPr/>
+              <a:t>06:04:59</a:t>
             </a:fld>
-            <a:endParaRPr lang="en-IN"/>
+            <a:endParaRPr lang="en-IN" dirty="0"/>
           </a:p>
         </p:txBody>
       </p:sp>
@@ -3586,24 +4038,133 @@
       </p:grpSpPr>
       <p:sp>
         <p:nvSpPr>
-          <p:cNvPr id="4" name="Date Placeholder 3"/>
-          <p:cNvSpPr>
-            <a:spLocks noGrp="1"/>
-          </p:cNvSpPr>
-          <p:nvPr>
-            <p:ph type="dt" sz="half" idx="10"/>
-          </p:nvPr>
-        </p:nvSpPr>
-        <p:spPr/>
-        <p:txBody>
-          <a:bodyPr/>
-          <a:lstStyle/>
+          <p:cNvPr id="3" name="Date Placeholder 3">
+            <a:extLst>
+              <a:ext uri="{FF2B5EF4-FFF2-40B4-BE49-F238E27FC236}">
+                <a16:creationId xmlns:a16="http://schemas.microsoft.com/office/drawing/2014/main" id="{0259E4D7-0FB7-42D9-955E-2E5CB3A29496}"/>
+              </a:ext>
+            </a:extLst>
+          </p:cNvPr>
+          <p:cNvSpPr txBox="1">
+            <a:spLocks/>
+          </p:cNvSpPr>
+          <p:nvPr/>
+        </p:nvSpPr>
+        <p:spPr>
+          <a:xfrm>
+            <a:off x="457200" y="5994335"/>
+            <a:ext cx="2133600" cy="365125"/>
+          </a:xfrm>
+          <a:prstGeom prst="rect">
+            <a:avLst/>
+          </a:prstGeom>
+        </p:spPr>
+        <p:txBody>
+          <a:bodyPr vert="horz" lIns="91440" tIns="45720" rIns="91440" bIns="45720" rtlCol="0" anchor="ctr"/>
+          <a:lstStyle>
+            <a:defPPr>
+              <a:defRPr lang="en-US"/>
+            </a:defPPr>
+            <a:lvl1pPr marL="0" algn="l" defTabSz="914400" rtl="0" eaLnBrk="1" latinLnBrk="0" hangingPunct="1">
+              <a:defRPr sz="1200" kern="1200">
+                <a:solidFill>
+                  <a:schemeClr val="tx1">
+                    <a:tint val="75000"/>
+                  </a:schemeClr>
+                </a:solidFill>
+                <a:latin typeface="+mn-lt"/>
+                <a:ea typeface="+mn-ea"/>
+                <a:cs typeface="+mn-cs"/>
+              </a:defRPr>
+            </a:lvl1pPr>
+            <a:lvl2pPr marL="457200" algn="l" defTabSz="914400" rtl="0" eaLnBrk="1" latinLnBrk="0" hangingPunct="1">
+              <a:defRPr sz="1800" kern="1200">
+                <a:solidFill>
+                  <a:schemeClr val="tx1"/>
+                </a:solidFill>
+                <a:latin typeface="+mn-lt"/>
+                <a:ea typeface="+mn-ea"/>
+                <a:cs typeface="+mn-cs"/>
+              </a:defRPr>
+            </a:lvl2pPr>
+            <a:lvl3pPr marL="914400" algn="l" defTabSz="914400" rtl="0" eaLnBrk="1" latinLnBrk="0" hangingPunct="1">
+              <a:defRPr sz="1800" kern="1200">
+                <a:solidFill>
+                  <a:schemeClr val="tx1"/>
+                </a:solidFill>
+                <a:latin typeface="+mn-lt"/>
+                <a:ea typeface="+mn-ea"/>
+                <a:cs typeface="+mn-cs"/>
+              </a:defRPr>
+            </a:lvl3pPr>
+            <a:lvl4pPr marL="1371600" algn="l" defTabSz="914400" rtl="0" eaLnBrk="1" latinLnBrk="0" hangingPunct="1">
+              <a:defRPr sz="1800" kern="1200">
+                <a:solidFill>
+                  <a:schemeClr val="tx1"/>
+                </a:solidFill>
+                <a:latin typeface="+mn-lt"/>
+                <a:ea typeface="+mn-ea"/>
+                <a:cs typeface="+mn-cs"/>
+              </a:defRPr>
+            </a:lvl4pPr>
+            <a:lvl5pPr marL="1828800" algn="l" defTabSz="914400" rtl="0" eaLnBrk="1" latinLnBrk="0" hangingPunct="1">
+              <a:defRPr sz="1800" kern="1200">
+                <a:solidFill>
+                  <a:schemeClr val="tx1"/>
+                </a:solidFill>
+                <a:latin typeface="+mn-lt"/>
+                <a:ea typeface="+mn-ea"/>
+                <a:cs typeface="+mn-cs"/>
+              </a:defRPr>
+            </a:lvl5pPr>
+            <a:lvl6pPr marL="2286000" algn="l" defTabSz="914400" rtl="0" eaLnBrk="1" latinLnBrk="0" hangingPunct="1">
+              <a:defRPr sz="1800" kern="1200">
+                <a:solidFill>
+                  <a:schemeClr val="tx1"/>
+                </a:solidFill>
+                <a:latin typeface="+mn-lt"/>
+                <a:ea typeface="+mn-ea"/>
+                <a:cs typeface="+mn-cs"/>
+              </a:defRPr>
+            </a:lvl6pPr>
+            <a:lvl7pPr marL="2743200" algn="l" defTabSz="914400" rtl="0" eaLnBrk="1" latinLnBrk="0" hangingPunct="1">
+              <a:defRPr sz="1800" kern="1200">
+                <a:solidFill>
+                  <a:schemeClr val="tx1"/>
+                </a:solidFill>
+                <a:latin typeface="+mn-lt"/>
+                <a:ea typeface="+mn-ea"/>
+                <a:cs typeface="+mn-cs"/>
+              </a:defRPr>
+            </a:lvl7pPr>
+            <a:lvl8pPr marL="3200400" algn="l" defTabSz="914400" rtl="0" eaLnBrk="1" latinLnBrk="0" hangingPunct="1">
+              <a:defRPr sz="1800" kern="1200">
+                <a:solidFill>
+                  <a:schemeClr val="tx1"/>
+                </a:solidFill>
+                <a:latin typeface="+mn-lt"/>
+                <a:ea typeface="+mn-ea"/>
+                <a:cs typeface="+mn-cs"/>
+              </a:defRPr>
+            </a:lvl8pPr>
+            <a:lvl9pPr marL="3657600" algn="l" defTabSz="914400" rtl="0" eaLnBrk="1" latinLnBrk="0" hangingPunct="1">
+              <a:defRPr sz="1800" kern="1200">
+                <a:solidFill>
+                  <a:schemeClr val="tx1"/>
+                </a:solidFill>
+                <a:latin typeface="+mn-lt"/>
+                <a:ea typeface="+mn-ea"/>
+                <a:cs typeface="+mn-cs"/>
+              </a:defRPr>
+            </a:lvl9pPr>
+          </a:lstStyle>
           <a:p>
             <a:fld id="{B55BA10D-6FEA-4B85-B16C-84AFC53D9B6B}" type="datetime10">
               <a:rPr lang="en-IN" smtClean="0"/>
-              <a:t>14:03</a:t>
+              <a:pPr/>
+              <a:t>06:05</a:t>
             </a:fld>
-            <a:endParaRPr lang="en-IN"/>
+            <a:endParaRPr lang="en-IN" dirty="0"/>
           </a:p>
         </p:txBody>
       </p:sp>
@@ -3634,22 +4195,131 @@
       </p:grpSpPr>
       <p:sp>
         <p:nvSpPr>
-          <p:cNvPr id="4" name="Date Placeholder 3"/>
-          <p:cNvSpPr>
-            <a:spLocks noGrp="1"/>
-          </p:cNvSpPr>
-          <p:nvPr>
-            <p:ph type="dt" sz="half" idx="10"/>
-          </p:nvPr>
-        </p:nvSpPr>
-        <p:spPr/>
-        <p:txBody>
-          <a:bodyPr/>
-          <a:lstStyle/>
+          <p:cNvPr id="3" name="Date Placeholder 3">
+            <a:extLst>
+              <a:ext uri="{FF2B5EF4-FFF2-40B4-BE49-F238E27FC236}">
+                <a16:creationId xmlns:a16="http://schemas.microsoft.com/office/drawing/2014/main" id="{9E47B537-60AC-4D08-B678-5B9C16ADD543}"/>
+              </a:ext>
+            </a:extLst>
+          </p:cNvPr>
+          <p:cNvSpPr txBox="1">
+            <a:spLocks/>
+          </p:cNvSpPr>
+          <p:nvPr/>
+        </p:nvSpPr>
+        <p:spPr>
+          <a:xfrm>
+            <a:off x="457200" y="5991225"/>
+            <a:ext cx="2133600" cy="365125"/>
+          </a:xfrm>
+          <a:prstGeom prst="rect">
+            <a:avLst/>
+          </a:prstGeom>
+        </p:spPr>
+        <p:txBody>
+          <a:bodyPr vert="horz" lIns="91440" tIns="45720" rIns="91440" bIns="45720" rtlCol="0" anchor="ctr"/>
+          <a:lstStyle>
+            <a:defPPr>
+              <a:defRPr lang="en-US"/>
+            </a:defPPr>
+            <a:lvl1pPr marL="0" algn="l" defTabSz="914400" rtl="0" eaLnBrk="1" latinLnBrk="0" hangingPunct="1">
+              <a:defRPr sz="1200" kern="1200">
+                <a:solidFill>
+                  <a:schemeClr val="tx1">
+                    <a:tint val="75000"/>
+                  </a:schemeClr>
+                </a:solidFill>
+                <a:latin typeface="+mn-lt"/>
+                <a:ea typeface="+mn-ea"/>
+                <a:cs typeface="+mn-cs"/>
+              </a:defRPr>
+            </a:lvl1pPr>
+            <a:lvl2pPr marL="457200" algn="l" defTabSz="914400" rtl="0" eaLnBrk="1" latinLnBrk="0" hangingPunct="1">
+              <a:defRPr sz="1800" kern="1200">
+                <a:solidFill>
+                  <a:schemeClr val="tx1"/>
+                </a:solidFill>
+                <a:latin typeface="+mn-lt"/>
+                <a:ea typeface="+mn-ea"/>
+                <a:cs typeface="+mn-cs"/>
+              </a:defRPr>
+            </a:lvl2pPr>
+            <a:lvl3pPr marL="914400" algn="l" defTabSz="914400" rtl="0" eaLnBrk="1" latinLnBrk="0" hangingPunct="1">
+              <a:defRPr sz="1800" kern="1200">
+                <a:solidFill>
+                  <a:schemeClr val="tx1"/>
+                </a:solidFill>
+                <a:latin typeface="+mn-lt"/>
+                <a:ea typeface="+mn-ea"/>
+                <a:cs typeface="+mn-cs"/>
+              </a:defRPr>
+            </a:lvl3pPr>
+            <a:lvl4pPr marL="1371600" algn="l" defTabSz="914400" rtl="0" eaLnBrk="1" latinLnBrk="0" hangingPunct="1">
+              <a:defRPr sz="1800" kern="1200">
+                <a:solidFill>
+                  <a:schemeClr val="tx1"/>
+                </a:solidFill>
+                <a:latin typeface="+mn-lt"/>
+                <a:ea typeface="+mn-ea"/>
+                <a:cs typeface="+mn-cs"/>
+              </a:defRPr>
+            </a:lvl4pPr>
+            <a:lvl5pPr marL="1828800" algn="l" defTabSz="914400" rtl="0" eaLnBrk="1" latinLnBrk="0" hangingPunct="1">
+              <a:defRPr sz="1800" kern="1200">
+                <a:solidFill>
+                  <a:schemeClr val="tx1"/>
+                </a:solidFill>
+                <a:latin typeface="+mn-lt"/>
+                <a:ea typeface="+mn-ea"/>
+                <a:cs typeface="+mn-cs"/>
+              </a:defRPr>
+            </a:lvl5pPr>
+            <a:lvl6pPr marL="2286000" algn="l" defTabSz="914400" rtl="0" eaLnBrk="1" latinLnBrk="0" hangingPunct="1">
+              <a:defRPr sz="1800" kern="1200">
+                <a:solidFill>
+                  <a:schemeClr val="tx1"/>
+                </a:solidFill>
+                <a:latin typeface="+mn-lt"/>
+                <a:ea typeface="+mn-ea"/>
+                <a:cs typeface="+mn-cs"/>
+              </a:defRPr>
+            </a:lvl6pPr>
+            <a:lvl7pPr marL="2743200" algn="l" defTabSz="914400" rtl="0" eaLnBrk="1" latinLnBrk="0" hangingPunct="1">
+              <a:defRPr sz="1800" kern="1200">
+                <a:solidFill>
+                  <a:schemeClr val="tx1"/>
+                </a:solidFill>
+                <a:latin typeface="+mn-lt"/>
+                <a:ea typeface="+mn-ea"/>
+                <a:cs typeface="+mn-cs"/>
+              </a:defRPr>
+            </a:lvl7pPr>
+            <a:lvl8pPr marL="3200400" algn="l" defTabSz="914400" rtl="0" eaLnBrk="1" latinLnBrk="0" hangingPunct="1">
+              <a:defRPr sz="1800" kern="1200">
+                <a:solidFill>
+                  <a:schemeClr val="tx1"/>
+                </a:solidFill>
+                <a:latin typeface="+mn-lt"/>
+                <a:ea typeface="+mn-ea"/>
+                <a:cs typeface="+mn-cs"/>
+              </a:defRPr>
+            </a:lvl8pPr>
+            <a:lvl9pPr marL="3657600" algn="l" defTabSz="914400" rtl="0" eaLnBrk="1" latinLnBrk="0" hangingPunct="1">
+              <a:defRPr sz="1800" kern="1200">
+                <a:solidFill>
+                  <a:schemeClr val="tx1"/>
+                </a:solidFill>
+                <a:latin typeface="+mn-lt"/>
+                <a:ea typeface="+mn-ea"/>
+                <a:cs typeface="+mn-cs"/>
+              </a:defRPr>
+            </a:lvl9pPr>
+          </a:lstStyle>
           <a:p>
             <a:fld id="{30754031-A0BF-4DF0-81B6-C164E4893B5D}" type="datetime12">
               <a:rPr lang="en-IN" smtClean="0"/>
-              <a:t>2:03 PM</a:t>
+              <a:pPr/>
+              <a:t>6:05 AM</a:t>
             </a:fld>
             <a:endParaRPr lang="en-IN"/>
           </a:p>
@@ -3682,24 +4352,133 @@
       </p:grpSpPr>
       <p:sp>
         <p:nvSpPr>
-          <p:cNvPr id="4" name="Date Placeholder 3"/>
-          <p:cNvSpPr>
-            <a:spLocks noGrp="1"/>
-          </p:cNvSpPr>
-          <p:nvPr>
-            <p:ph type="dt" sz="half" idx="10"/>
-          </p:nvPr>
-        </p:nvSpPr>
-        <p:spPr/>
-        <p:txBody>
-          <a:bodyPr/>
-          <a:lstStyle/>
+          <p:cNvPr id="3" name="Date Placeholder 3">
+            <a:extLst>
+              <a:ext uri="{FF2B5EF4-FFF2-40B4-BE49-F238E27FC236}">
+                <a16:creationId xmlns:a16="http://schemas.microsoft.com/office/drawing/2014/main" id="{6AF08788-279A-40EB-A0EA-1FAD6C08BA0F}"/>
+              </a:ext>
+            </a:extLst>
+          </p:cNvPr>
+          <p:cNvSpPr txBox="1">
+            <a:spLocks/>
+          </p:cNvSpPr>
+          <p:nvPr/>
+        </p:nvSpPr>
+        <p:spPr>
+          <a:xfrm>
+            <a:off x="474306" y="5991225"/>
+            <a:ext cx="2133600" cy="365125"/>
+          </a:xfrm>
+          <a:prstGeom prst="rect">
+            <a:avLst/>
+          </a:prstGeom>
+        </p:spPr>
+        <p:txBody>
+          <a:bodyPr vert="horz" lIns="91440" tIns="45720" rIns="91440" bIns="45720" rtlCol="0" anchor="ctr"/>
+          <a:lstStyle>
+            <a:defPPr>
+              <a:defRPr lang="en-US"/>
+            </a:defPPr>
+            <a:lvl1pPr marL="0" algn="l" defTabSz="914400" rtl="0" eaLnBrk="1" latinLnBrk="0" hangingPunct="1">
+              <a:defRPr sz="1200" kern="1200">
+                <a:solidFill>
+                  <a:schemeClr val="tx1">
+                    <a:tint val="75000"/>
+                  </a:schemeClr>
+                </a:solidFill>
+                <a:latin typeface="+mn-lt"/>
+                <a:ea typeface="+mn-ea"/>
+                <a:cs typeface="+mn-cs"/>
+              </a:defRPr>
+            </a:lvl1pPr>
+            <a:lvl2pPr marL="457200" algn="l" defTabSz="914400" rtl="0" eaLnBrk="1" latinLnBrk="0" hangingPunct="1">
+              <a:defRPr sz="1800" kern="1200">
+                <a:solidFill>
+                  <a:schemeClr val="tx1"/>
+                </a:solidFill>
+                <a:latin typeface="+mn-lt"/>
+                <a:ea typeface="+mn-ea"/>
+                <a:cs typeface="+mn-cs"/>
+              </a:defRPr>
+            </a:lvl2pPr>
+            <a:lvl3pPr marL="914400" algn="l" defTabSz="914400" rtl="0" eaLnBrk="1" latinLnBrk="0" hangingPunct="1">
+              <a:defRPr sz="1800" kern="1200">
+                <a:solidFill>
+                  <a:schemeClr val="tx1"/>
+                </a:solidFill>
+                <a:latin typeface="+mn-lt"/>
+                <a:ea typeface="+mn-ea"/>
+                <a:cs typeface="+mn-cs"/>
+              </a:defRPr>
+            </a:lvl3pPr>
+            <a:lvl4pPr marL="1371600" algn="l" defTabSz="914400" rtl="0" eaLnBrk="1" latinLnBrk="0" hangingPunct="1">
+              <a:defRPr sz="1800" kern="1200">
+                <a:solidFill>
+                  <a:schemeClr val="tx1"/>
+                </a:solidFill>
+                <a:latin typeface="+mn-lt"/>
+                <a:ea typeface="+mn-ea"/>
+                <a:cs typeface="+mn-cs"/>
+              </a:defRPr>
+            </a:lvl4pPr>
+            <a:lvl5pPr marL="1828800" algn="l" defTabSz="914400" rtl="0" eaLnBrk="1" latinLnBrk="0" hangingPunct="1">
+              <a:defRPr sz="1800" kern="1200">
+                <a:solidFill>
+                  <a:schemeClr val="tx1"/>
+                </a:solidFill>
+                <a:latin typeface="+mn-lt"/>
+                <a:ea typeface="+mn-ea"/>
+                <a:cs typeface="+mn-cs"/>
+              </a:defRPr>
+            </a:lvl5pPr>
+            <a:lvl6pPr marL="2286000" algn="l" defTabSz="914400" rtl="0" eaLnBrk="1" latinLnBrk="0" hangingPunct="1">
+              <a:defRPr sz="1800" kern="1200">
+                <a:solidFill>
+                  <a:schemeClr val="tx1"/>
+                </a:solidFill>
+                <a:latin typeface="+mn-lt"/>
+                <a:ea typeface="+mn-ea"/>
+                <a:cs typeface="+mn-cs"/>
+              </a:defRPr>
+            </a:lvl6pPr>
+            <a:lvl7pPr marL="2743200" algn="l" defTabSz="914400" rtl="0" eaLnBrk="1" latinLnBrk="0" hangingPunct="1">
+              <a:defRPr sz="1800" kern="1200">
+                <a:solidFill>
+                  <a:schemeClr val="tx1"/>
+                </a:solidFill>
+                <a:latin typeface="+mn-lt"/>
+                <a:ea typeface="+mn-ea"/>
+                <a:cs typeface="+mn-cs"/>
+              </a:defRPr>
+            </a:lvl7pPr>
+            <a:lvl8pPr marL="3200400" algn="l" defTabSz="914400" rtl="0" eaLnBrk="1" latinLnBrk="0" hangingPunct="1">
+              <a:defRPr sz="1800" kern="1200">
+                <a:solidFill>
+                  <a:schemeClr val="tx1"/>
+                </a:solidFill>
+                <a:latin typeface="+mn-lt"/>
+                <a:ea typeface="+mn-ea"/>
+                <a:cs typeface="+mn-cs"/>
+              </a:defRPr>
+            </a:lvl8pPr>
+            <a:lvl9pPr marL="3657600" algn="l" defTabSz="914400" rtl="0" eaLnBrk="1" latinLnBrk="0" hangingPunct="1">
+              <a:defRPr sz="1800" kern="1200">
+                <a:solidFill>
+                  <a:schemeClr val="tx1"/>
+                </a:solidFill>
+                <a:latin typeface="+mn-lt"/>
+                <a:ea typeface="+mn-ea"/>
+                <a:cs typeface="+mn-cs"/>
+              </a:defRPr>
+            </a:lvl9pPr>
+          </a:lstStyle>
           <a:p>
             <a:fld id="{9153E46C-23F0-43BA-BEFC-F4F21F7D4FF7}" type="datetime13">
               <a:rPr lang="en-IN" smtClean="0"/>
-              <a:t>2:03:20 PM</a:t>
+              <a:pPr/>
+              <a:t>6:05:37 AM</a:t>
             </a:fld>
-            <a:endParaRPr lang="en-IN"/>
+            <a:endParaRPr lang="en-IN" dirty="0"/>
           </a:p>
         </p:txBody>
       </p:sp>

--- a/sd/qa/unit/data/pptx/numfmt.pptx
+++ b/sd/qa/unit/data/pptx/numfmt.pptx
@@ -5,7 +5,7 @@
     <p:sldMasterId id="2147483648" r:id="rId1"/>
   </p:sldMasterIdLst>
   <p:notesMasterIdLst>
-    <p:notesMasterId r:id="rId9"/>
+    <p:notesMasterId r:id="rId11"/>
   </p:notesMasterIdLst>
   <p:sldIdLst>
     <p:sldId id="256" r:id="rId2"/>
@@ -15,6 +15,8 @@
     <p:sldId id="260" r:id="rId6"/>
     <p:sldId id="261" r:id="rId7"/>
     <p:sldId id="262" r:id="rId8"/>
+    <p:sldId id="266" r:id="rId9"/>
+    <p:sldId id="267" r:id="rId10"/>
   </p:sldIdLst>
   <p:sldSz cx="9144000" cy="6858000" type="screen4x3"/>
   <p:notesSz cx="6858000" cy="9144000"/>
@@ -214,7 +216,7 @@
           <a:p>
             <a:fld id="{8C6B8BEB-E207-4B62-80DE-045147C8EED1}" type="datetimeFigureOut">
               <a:rPr lang="en-US" smtClean="0"/>
-              <a:t>6/9/2021</a:t>
+              <a:t>6/29/2021</a:t>
             </a:fld>
             <a:endParaRPr lang="en-IN"/>
           </a:p>
@@ -660,7 +662,7 @@
           <a:p>
             <a:fld id="{23270E89-3869-447B-8CDE-6FB960193F88}" type="datetime4">
               <a:rPr lang="en-IN" smtClean="0"/>
-              <a:t>09 June 2021</a:t>
+              <a:t>29 June 2021</a:t>
             </a:fld>
             <a:endParaRPr lang="en-IN"/>
           </a:p>
@@ -825,7 +827,7 @@
           <a:p>
             <a:fld id="{6EABF89B-1986-42A1-A443-E65C3BB5A974}" type="datetime4">
               <a:rPr lang="en-IN" smtClean="0"/>
-              <a:t>09 June 2021</a:t>
+              <a:t>29 June 2021</a:t>
             </a:fld>
             <a:endParaRPr lang="en-IN"/>
           </a:p>
@@ -1000,7 +1002,7 @@
           <a:p>
             <a:fld id="{95082EA7-CF00-425D-A785-BEE1492EBC19}" type="datetime4">
               <a:rPr lang="en-IN" smtClean="0"/>
-              <a:t>09 June 2021</a:t>
+              <a:t>29 June 2021</a:t>
             </a:fld>
             <a:endParaRPr lang="en-IN"/>
           </a:p>
@@ -1165,7 +1167,7 @@
           <a:p>
             <a:fld id="{A3CE591C-F2AE-4A99-929C-81B4BA8FF67E}" type="datetime4">
               <a:rPr lang="en-IN" smtClean="0"/>
-              <a:t>09 June 2021</a:t>
+              <a:t>29 June 2021</a:t>
             </a:fld>
             <a:endParaRPr lang="en-IN"/>
           </a:p>
@@ -1406,7 +1408,7 @@
           <a:p>
             <a:fld id="{F86C5339-AD76-4734-9F5A-207BF5C7804B}" type="datetime4">
               <a:rPr lang="en-IN" smtClean="0"/>
-              <a:t>09 June 2021</a:t>
+              <a:t>29 June 2021</a:t>
             </a:fld>
             <a:endParaRPr lang="en-IN"/>
           </a:p>
@@ -1689,7 +1691,7 @@
           <a:p>
             <a:fld id="{D3BF498F-A914-403B-9F2B-154CBF7F4BD6}" type="datetime4">
               <a:rPr lang="en-IN" smtClean="0"/>
-              <a:t>09 June 2021</a:t>
+              <a:t>29 June 2021</a:t>
             </a:fld>
             <a:endParaRPr lang="en-IN"/>
           </a:p>
@@ -2106,7 +2108,7 @@
           <a:p>
             <a:fld id="{0FA64DB0-35D1-47DE-A966-FB342CE5D43F}" type="datetime4">
               <a:rPr lang="en-IN" smtClean="0"/>
-              <a:t>09 June 2021</a:t>
+              <a:t>29 June 2021</a:t>
             </a:fld>
             <a:endParaRPr lang="en-IN"/>
           </a:p>
@@ -2219,7 +2221,7 @@
           <a:p>
             <a:fld id="{050A7ECC-F572-4B7D-B55D-FDBCDF289DD7}" type="datetime4">
               <a:rPr lang="en-IN" smtClean="0"/>
-              <a:t>09 June 2021</a:t>
+              <a:t>29 June 2021</a:t>
             </a:fld>
             <a:endParaRPr lang="en-IN"/>
           </a:p>
@@ -2309,7 +2311,7 @@
           <a:p>
             <a:fld id="{C672AD80-6BC8-4A11-8DC3-D28B0725072C}" type="datetime4">
               <a:rPr lang="en-IN" smtClean="0"/>
-              <a:t>09 June 2021</a:t>
+              <a:t>29 June 2021</a:t>
             </a:fld>
             <a:endParaRPr lang="en-IN"/>
           </a:p>
@@ -2581,7 +2583,7 @@
           <a:p>
             <a:fld id="{5049F6D9-A4E1-4F49-9147-7DFF8F63790F}" type="datetime4">
               <a:rPr lang="en-IN" smtClean="0"/>
-              <a:t>09 June 2021</a:t>
+              <a:t>29 June 2021</a:t>
             </a:fld>
             <a:endParaRPr lang="en-IN"/>
           </a:p>
@@ -2829,7 +2831,7 @@
           <a:p>
             <a:fld id="{9309A248-4888-4712-98BA-AB7B91A5E8A7}" type="datetime4">
               <a:rPr lang="en-IN" smtClean="0"/>
-              <a:t>09 June 2021</a:t>
+              <a:t>29 June 2021</a:t>
             </a:fld>
             <a:endParaRPr lang="en-IN"/>
           </a:p>
@@ -3037,7 +3039,7 @@
           <a:p>
             <a:fld id="{08F81F5D-EB0B-4B3A-9297-3DB9A8902B6D}" type="datetime4">
               <a:rPr lang="en-IN" smtClean="0"/>
-              <a:t>09 June 2021</a:t>
+              <a:t>29 June 2021</a:t>
             </a:fld>
             <a:endParaRPr lang="en-IN"/>
           </a:p>
@@ -3531,10 +3533,9 @@
             </a:lvl9pPr>
           </a:lstStyle>
           <a:p>
-            <a:fld id="{6F1FB038-ACEC-47F0-9348-1F0FFA4AC8CD}" type="datetime4">
-              <a:rPr lang="en-IN" smtClean="0"/>
-              <a:pPr/>
-              <a:t>09 June 2021</a:t>
+            <a:fld id="{CEAEABC4-396C-481A-9CD4-C3AD9DA4367E}" type="datetime">
+              <a:rPr lang="en-US" smtClean="0"/>
+              <a:t>6/29/2021</a:t>
             </a:fld>
             <a:endParaRPr lang="en-IN" dirty="0"/>
           </a:p>
@@ -3691,9 +3692,9 @@
             <a:fld id="{3D8552DC-8493-4C08-B339-F696EB9E8552}" type="datetime1">
               <a:rPr lang="en-IN" smtClean="0"/>
               <a:pPr/>
-              <a:t>09-06-2021</a:t>
+              <a:t>29-06-2021</a:t>
             </a:fld>
-            <a:endParaRPr lang="en-IN"/>
+            <a:endParaRPr lang="en-IN" dirty="0"/>
           </a:p>
         </p:txBody>
       </p:sp>
@@ -3845,10 +3846,9 @@
             </a:lvl9pPr>
           </a:lstStyle>
           <a:p>
-            <a:fld id="{310BA1B9-101E-4D36-903A-746CAFB854A5}" type="datetime3">
-              <a:rPr lang="en-IN" smtClean="0"/>
-              <a:pPr/>
-              <a:t>9 June 2021</a:t>
+            <a:fld id="{507DA771-C184-4A7C-BC09-830362A02FB8}" type="datetime2">
+              <a:rPr lang="en-US" smtClean="0"/>
+              <a:t>Tuesday, June 29, 2021</a:t>
             </a:fld>
             <a:endParaRPr lang="en-IN" dirty="0"/>
           </a:p>
@@ -4005,7 +4005,7 @@
             <a:fld id="{AB4092FF-6B6F-4C9C-8873-EF1E09B49560}" type="datetime11">
               <a:rPr lang="en-IN" smtClean="0"/>
               <a:pPr/>
-              <a:t>06:04:59</a:t>
+              <a:t>15:35:09</a:t>
             </a:fld>
             <a:endParaRPr lang="en-IN" dirty="0"/>
           </a:p>
@@ -4162,7 +4162,7 @@
             <a:fld id="{B55BA10D-6FEA-4B85-B16C-84AFC53D9B6B}" type="datetime10">
               <a:rPr lang="en-IN" smtClean="0"/>
               <a:pPr/>
-              <a:t>06:05</a:t>
+              <a:t>15:35</a:t>
             </a:fld>
             <a:endParaRPr lang="en-IN" dirty="0"/>
           </a:p>
@@ -4319,7 +4319,7 @@
             <a:fld id="{30754031-A0BF-4DF0-81B6-C164E4893B5D}" type="datetime12">
               <a:rPr lang="en-IN" smtClean="0"/>
               <a:pPr/>
-              <a:t>6:05 AM</a:t>
+              <a:t>3:35 PM</a:t>
             </a:fld>
             <a:endParaRPr lang="en-IN"/>
           </a:p>
@@ -4476,13 +4476,335 @@
             <a:fld id="{9153E46C-23F0-43BA-BEFC-F4F21F7D4FF7}" type="datetime13">
               <a:rPr lang="en-IN" smtClean="0"/>
               <a:pPr/>
-              <a:t>6:05:37 AM</a:t>
+              <a:t>3:35:09 PM</a:t>
             </a:fld>
             <a:endParaRPr lang="en-IN" dirty="0"/>
           </a:p>
         </p:txBody>
       </p:sp>
     </p:spTree>
+  </p:cSld>
+  <p:clrMapOvr>
+    <a:masterClrMapping/>
+  </p:clrMapOvr>
+</p:sld>
+</file>
+
+<file path=ppt/slides/slide8.xml><?xml version="1.0" encoding="utf-8"?>
+<p:sld xmlns:a="http://schemas.openxmlformats.org/drawingml/2006/main" xmlns:r="http://schemas.openxmlformats.org/officeDocument/2006/relationships" xmlns:p="http://schemas.openxmlformats.org/presentationml/2006/main">
+  <p:cSld>
+    <p:spTree>
+      <p:nvGrpSpPr>
+        <p:cNvPr id="1" name=""/>
+        <p:cNvGrpSpPr/>
+        <p:nvPr/>
+      </p:nvGrpSpPr>
+      <p:grpSpPr>
+        <a:xfrm>
+          <a:off x="0" y="0"/>
+          <a:ext cx="0" cy="0"/>
+          <a:chOff x="0" y="0"/>
+          <a:chExt cx="0" cy="0"/>
+        </a:xfrm>
+      </p:grpSpPr>
+      <p:sp>
+        <p:nvSpPr>
+          <p:cNvPr id="3" name="Date Placeholder 1">
+            <a:extLst>
+              <a:ext uri="{FF2B5EF4-FFF2-40B4-BE49-F238E27FC236}">
+                <a16:creationId xmlns:a16="http://schemas.microsoft.com/office/drawing/2014/main" id="{56B5A385-436B-4C08-8FEF-5AE76EB35A3C}"/>
+              </a:ext>
+            </a:extLst>
+          </p:cNvPr>
+          <p:cNvSpPr txBox="1">
+            <a:spLocks/>
+          </p:cNvSpPr>
+          <p:nvPr/>
+        </p:nvSpPr>
+        <p:spPr>
+          <a:xfrm>
+            <a:off x="381000" y="6172200"/>
+            <a:ext cx="2133600" cy="365125"/>
+          </a:xfrm>
+          <a:prstGeom prst="rect">
+            <a:avLst/>
+          </a:prstGeom>
+        </p:spPr>
+        <p:txBody>
+          <a:bodyPr vert="horz" lIns="91440" tIns="45720" rIns="91440" bIns="45720" rtlCol="0" anchor="ctr"/>
+          <a:lstStyle>
+            <a:defPPr>
+              <a:defRPr lang="en-US"/>
+            </a:defPPr>
+            <a:lvl1pPr marL="0" algn="l" defTabSz="914400" rtl="0" eaLnBrk="1" latinLnBrk="0" hangingPunct="1">
+              <a:defRPr sz="1200" kern="1200">
+                <a:solidFill>
+                  <a:schemeClr val="tx1">
+                    <a:tint val="75000"/>
+                  </a:schemeClr>
+                </a:solidFill>
+                <a:latin typeface="+mn-lt"/>
+                <a:ea typeface="+mn-ea"/>
+                <a:cs typeface="+mn-cs"/>
+              </a:defRPr>
+            </a:lvl1pPr>
+            <a:lvl2pPr marL="457200" algn="l" defTabSz="914400" rtl="0" eaLnBrk="1" latinLnBrk="0" hangingPunct="1">
+              <a:defRPr sz="1800" kern="1200">
+                <a:solidFill>
+                  <a:schemeClr val="tx1"/>
+                </a:solidFill>
+                <a:latin typeface="+mn-lt"/>
+                <a:ea typeface="+mn-ea"/>
+                <a:cs typeface="+mn-cs"/>
+              </a:defRPr>
+            </a:lvl2pPr>
+            <a:lvl3pPr marL="914400" algn="l" defTabSz="914400" rtl="0" eaLnBrk="1" latinLnBrk="0" hangingPunct="1">
+              <a:defRPr sz="1800" kern="1200">
+                <a:solidFill>
+                  <a:schemeClr val="tx1"/>
+                </a:solidFill>
+                <a:latin typeface="+mn-lt"/>
+                <a:ea typeface="+mn-ea"/>
+                <a:cs typeface="+mn-cs"/>
+              </a:defRPr>
+            </a:lvl3pPr>
+            <a:lvl4pPr marL="1371600" algn="l" defTabSz="914400" rtl="0" eaLnBrk="1" latinLnBrk="0" hangingPunct="1">
+              <a:defRPr sz="1800" kern="1200">
+                <a:solidFill>
+                  <a:schemeClr val="tx1"/>
+                </a:solidFill>
+                <a:latin typeface="+mn-lt"/>
+                <a:ea typeface="+mn-ea"/>
+                <a:cs typeface="+mn-cs"/>
+              </a:defRPr>
+            </a:lvl4pPr>
+            <a:lvl5pPr marL="1828800" algn="l" defTabSz="914400" rtl="0" eaLnBrk="1" latinLnBrk="0" hangingPunct="1">
+              <a:defRPr sz="1800" kern="1200">
+                <a:solidFill>
+                  <a:schemeClr val="tx1"/>
+                </a:solidFill>
+                <a:latin typeface="+mn-lt"/>
+                <a:ea typeface="+mn-ea"/>
+                <a:cs typeface="+mn-cs"/>
+              </a:defRPr>
+            </a:lvl5pPr>
+            <a:lvl6pPr marL="2286000" algn="l" defTabSz="914400" rtl="0" eaLnBrk="1" latinLnBrk="0" hangingPunct="1">
+              <a:defRPr sz="1800" kern="1200">
+                <a:solidFill>
+                  <a:schemeClr val="tx1"/>
+                </a:solidFill>
+                <a:latin typeface="+mn-lt"/>
+                <a:ea typeface="+mn-ea"/>
+                <a:cs typeface="+mn-cs"/>
+              </a:defRPr>
+            </a:lvl6pPr>
+            <a:lvl7pPr marL="2743200" algn="l" defTabSz="914400" rtl="0" eaLnBrk="1" latinLnBrk="0" hangingPunct="1">
+              <a:defRPr sz="1800" kern="1200">
+                <a:solidFill>
+                  <a:schemeClr val="tx1"/>
+                </a:solidFill>
+                <a:latin typeface="+mn-lt"/>
+                <a:ea typeface="+mn-ea"/>
+                <a:cs typeface="+mn-cs"/>
+              </a:defRPr>
+            </a:lvl7pPr>
+            <a:lvl8pPr marL="3200400" algn="l" defTabSz="914400" rtl="0" eaLnBrk="1" latinLnBrk="0" hangingPunct="1">
+              <a:defRPr sz="1800" kern="1200">
+                <a:solidFill>
+                  <a:schemeClr val="tx1"/>
+                </a:solidFill>
+                <a:latin typeface="+mn-lt"/>
+                <a:ea typeface="+mn-ea"/>
+                <a:cs typeface="+mn-cs"/>
+              </a:defRPr>
+            </a:lvl8pPr>
+            <a:lvl9pPr marL="3657600" algn="l" defTabSz="914400" rtl="0" eaLnBrk="1" latinLnBrk="0" hangingPunct="1">
+              <a:defRPr sz="1800" kern="1200">
+                <a:solidFill>
+                  <a:schemeClr val="tx1"/>
+                </a:solidFill>
+                <a:latin typeface="+mn-lt"/>
+                <a:ea typeface="+mn-ea"/>
+                <a:cs typeface="+mn-cs"/>
+              </a:defRPr>
+            </a:lvl9pPr>
+          </a:lstStyle>
+          <a:p>
+            <a:fld id="{139A6493-289B-444C-A9B3-BB83D0E53F85}" type="datetime6">
+              <a:rPr lang="en-US" smtClean="0"/>
+              <a:t>June 21</a:t>
+            </a:fld>
+            <a:endParaRPr lang="en-IN" dirty="0"/>
+          </a:p>
+        </p:txBody>
+      </p:sp>
+    </p:spTree>
+    <p:extLst>
+      <p:ext uri="{BB962C8B-B14F-4D97-AF65-F5344CB8AC3E}">
+        <p14:creationId xmlns:p14="http://schemas.microsoft.com/office/powerpoint/2010/main" val="1975714921"/>
+      </p:ext>
+    </p:extLst>
+  </p:cSld>
+  <p:clrMapOvr>
+    <a:masterClrMapping/>
+  </p:clrMapOvr>
+</p:sld>
+</file>
+
+<file path=ppt/slides/slide9.xml><?xml version="1.0" encoding="utf-8"?>
+<p:sld xmlns:a="http://schemas.openxmlformats.org/drawingml/2006/main" xmlns:r="http://schemas.openxmlformats.org/officeDocument/2006/relationships" xmlns:p="http://schemas.openxmlformats.org/presentationml/2006/main">
+  <p:cSld>
+    <p:spTree>
+      <p:nvGrpSpPr>
+        <p:cNvPr id="1" name=""/>
+        <p:cNvGrpSpPr/>
+        <p:nvPr/>
+      </p:nvGrpSpPr>
+      <p:grpSpPr>
+        <a:xfrm>
+          <a:off x="0" y="0"/>
+          <a:ext cx="0" cy="0"/>
+          <a:chOff x="0" y="0"/>
+          <a:chExt cx="0" cy="0"/>
+        </a:xfrm>
+      </p:grpSpPr>
+      <p:sp>
+        <p:nvSpPr>
+          <p:cNvPr id="3" name="Date Placeholder 1">
+            <a:extLst>
+              <a:ext uri="{FF2B5EF4-FFF2-40B4-BE49-F238E27FC236}">
+                <a16:creationId xmlns:a16="http://schemas.microsoft.com/office/drawing/2014/main" id="{2D90039A-6546-48C7-A22F-A37F0799B36F}"/>
+              </a:ext>
+            </a:extLst>
+          </p:cNvPr>
+          <p:cNvSpPr txBox="1">
+            <a:spLocks/>
+          </p:cNvSpPr>
+          <p:nvPr/>
+        </p:nvSpPr>
+        <p:spPr>
+          <a:xfrm>
+            <a:off x="609600" y="6455553"/>
+            <a:ext cx="2133600" cy="365125"/>
+          </a:xfrm>
+          <a:prstGeom prst="rect">
+            <a:avLst/>
+          </a:prstGeom>
+        </p:spPr>
+        <p:txBody>
+          <a:bodyPr vert="horz" lIns="91440" tIns="45720" rIns="91440" bIns="45720" rtlCol="0" anchor="ctr"/>
+          <a:lstStyle>
+            <a:defPPr>
+              <a:defRPr lang="en-US"/>
+            </a:defPPr>
+            <a:lvl1pPr marL="0" algn="l" defTabSz="914400" rtl="0" eaLnBrk="1" latinLnBrk="0" hangingPunct="1">
+              <a:defRPr sz="1200" kern="1200">
+                <a:solidFill>
+                  <a:schemeClr val="tx1">
+                    <a:tint val="75000"/>
+                  </a:schemeClr>
+                </a:solidFill>
+                <a:latin typeface="+mn-lt"/>
+                <a:ea typeface="+mn-ea"/>
+                <a:cs typeface="+mn-cs"/>
+              </a:defRPr>
+            </a:lvl1pPr>
+            <a:lvl2pPr marL="457200" algn="l" defTabSz="914400" rtl="0" eaLnBrk="1" latinLnBrk="0" hangingPunct="1">
+              <a:defRPr sz="1800" kern="1200">
+                <a:solidFill>
+                  <a:schemeClr val="tx1"/>
+                </a:solidFill>
+                <a:latin typeface="+mn-lt"/>
+                <a:ea typeface="+mn-ea"/>
+                <a:cs typeface="+mn-cs"/>
+              </a:defRPr>
+            </a:lvl2pPr>
+            <a:lvl3pPr marL="914400" algn="l" defTabSz="914400" rtl="0" eaLnBrk="1" latinLnBrk="0" hangingPunct="1">
+              <a:defRPr sz="1800" kern="1200">
+                <a:solidFill>
+                  <a:schemeClr val="tx1"/>
+                </a:solidFill>
+                <a:latin typeface="+mn-lt"/>
+                <a:ea typeface="+mn-ea"/>
+                <a:cs typeface="+mn-cs"/>
+              </a:defRPr>
+            </a:lvl3pPr>
+            <a:lvl4pPr marL="1371600" algn="l" defTabSz="914400" rtl="0" eaLnBrk="1" latinLnBrk="0" hangingPunct="1">
+              <a:defRPr sz="1800" kern="1200">
+                <a:solidFill>
+                  <a:schemeClr val="tx1"/>
+                </a:solidFill>
+                <a:latin typeface="+mn-lt"/>
+                <a:ea typeface="+mn-ea"/>
+                <a:cs typeface="+mn-cs"/>
+              </a:defRPr>
+            </a:lvl4pPr>
+            <a:lvl5pPr marL="1828800" algn="l" defTabSz="914400" rtl="0" eaLnBrk="1" latinLnBrk="0" hangingPunct="1">
+              <a:defRPr sz="1800" kern="1200">
+                <a:solidFill>
+                  <a:schemeClr val="tx1"/>
+                </a:solidFill>
+                <a:latin typeface="+mn-lt"/>
+                <a:ea typeface="+mn-ea"/>
+                <a:cs typeface="+mn-cs"/>
+              </a:defRPr>
+            </a:lvl5pPr>
+            <a:lvl6pPr marL="2286000" algn="l" defTabSz="914400" rtl="0" eaLnBrk="1" latinLnBrk="0" hangingPunct="1">
+              <a:defRPr sz="1800" kern="1200">
+                <a:solidFill>
+                  <a:schemeClr val="tx1"/>
+                </a:solidFill>
+                <a:latin typeface="+mn-lt"/>
+                <a:ea typeface="+mn-ea"/>
+                <a:cs typeface="+mn-cs"/>
+              </a:defRPr>
+            </a:lvl6pPr>
+            <a:lvl7pPr marL="2743200" algn="l" defTabSz="914400" rtl="0" eaLnBrk="1" latinLnBrk="0" hangingPunct="1">
+              <a:defRPr sz="1800" kern="1200">
+                <a:solidFill>
+                  <a:schemeClr val="tx1"/>
+                </a:solidFill>
+                <a:latin typeface="+mn-lt"/>
+                <a:ea typeface="+mn-ea"/>
+                <a:cs typeface="+mn-cs"/>
+              </a:defRPr>
+            </a:lvl7pPr>
+            <a:lvl8pPr marL="3200400" algn="l" defTabSz="914400" rtl="0" eaLnBrk="1" latinLnBrk="0" hangingPunct="1">
+              <a:defRPr sz="1800" kern="1200">
+                <a:solidFill>
+                  <a:schemeClr val="tx1"/>
+                </a:solidFill>
+                <a:latin typeface="+mn-lt"/>
+                <a:ea typeface="+mn-ea"/>
+                <a:cs typeface="+mn-cs"/>
+              </a:defRPr>
+            </a:lvl8pPr>
+            <a:lvl9pPr marL="3657600" algn="l" defTabSz="914400" rtl="0" eaLnBrk="1" latinLnBrk="0" hangingPunct="1">
+              <a:defRPr sz="1800" kern="1200">
+                <a:solidFill>
+                  <a:schemeClr val="tx1"/>
+                </a:solidFill>
+                <a:latin typeface="+mn-lt"/>
+                <a:ea typeface="+mn-ea"/>
+                <a:cs typeface="+mn-cs"/>
+              </a:defRPr>
+            </a:lvl9pPr>
+          </a:lstStyle>
+          <a:p>
+            <a:fld id="{DAFC9FF1-7498-4081-83BF-6A18529E002C}" type="datetime5">
+              <a:rPr lang="en-US" smtClean="0"/>
+              <a:t>29-Jun-21</a:t>
+            </a:fld>
+            <a:endParaRPr lang="en-IN" dirty="0"/>
+          </a:p>
+        </p:txBody>
+      </p:sp>
+    </p:spTree>
+    <p:extLst>
+      <p:ext uri="{BB962C8B-B14F-4D97-AF65-F5344CB8AC3E}">
+        <p14:creationId xmlns:p14="http://schemas.microsoft.com/office/powerpoint/2010/main" val="3407081504"/>
+      </p:ext>
+    </p:extLst>
   </p:cSld>
   <p:clrMapOvr>
     <a:masterClrMapping/>
